--- a/Gen AI-Powered Bots for SAP V1.0.pptx
+++ b/Gen AI-Powered Bots for SAP V1.0.pptx
@@ -206,7 +206,7 @@
           <a:p>
             <a:fld id="{59471A69-0EC7-45F3-ABC6-313147DA574B}" type="datetimeFigureOut">
               <a:rPr lang="en-IN" smtClean="0"/>
-              <a:t>28-05-2024</a:t>
+              <a:t>18-01-2025</a:t>
             </a:fld>
             <a:endParaRPr lang="en-IN"/>
           </a:p>
@@ -2398,7 +2398,7 @@
           <a:p>
             <a:fld id="{D5DB6DB6-F10D-41F4-9631-2A69C8FC52C3}" type="datetimeFigureOut">
               <a:rPr lang="en-US" smtClean="0"/>
-              <a:t>5/28/2024</a:t>
+              <a:t>1/18/2025</a:t>
             </a:fld>
             <a:endParaRPr lang="en-US"/>
           </a:p>
@@ -3857,7 +3857,7 @@
           <a:p>
             <a:fld id="{D5DB6DB6-F10D-41F4-9631-2A69C8FC52C3}" type="datetimeFigureOut">
               <a:rPr lang="en-US" smtClean="0"/>
-              <a:t>5/28/2024</a:t>
+              <a:t>1/18/2025</a:t>
             </a:fld>
             <a:endParaRPr lang="en-US"/>
           </a:p>
@@ -5310,7 +5310,7 @@
           <a:p>
             <a:fld id="{D5DB6DB6-F10D-41F4-9631-2A69C8FC52C3}" type="datetimeFigureOut">
               <a:rPr lang="en-US" smtClean="0"/>
-              <a:t>5/28/2024</a:t>
+              <a:t>1/18/2025</a:t>
             </a:fld>
             <a:endParaRPr lang="en-US"/>
           </a:p>
@@ -6765,7 +6765,7 @@
           <a:p>
             <a:fld id="{D5DB6DB6-F10D-41F4-9631-2A69C8FC52C3}" type="datetimeFigureOut">
               <a:rPr lang="en-US" smtClean="0"/>
-              <a:t>5/28/2024</a:t>
+              <a:t>1/18/2025</a:t>
             </a:fld>
             <a:endParaRPr lang="en-US"/>
           </a:p>
@@ -8273,7 +8273,7 @@
           <a:p>
             <a:fld id="{D5DB6DB6-F10D-41F4-9631-2A69C8FC52C3}" type="datetimeFigureOut">
               <a:rPr lang="en-US" smtClean="0"/>
-              <a:t>5/28/2024</a:t>
+              <a:t>1/18/2025</a:t>
             </a:fld>
             <a:endParaRPr lang="en-US"/>
           </a:p>
@@ -9794,7 +9794,7 @@
           <a:p>
             <a:fld id="{D5DB6DB6-F10D-41F4-9631-2A69C8FC52C3}" type="datetimeFigureOut">
               <a:rPr lang="en-US" smtClean="0"/>
-              <a:t>5/28/2024</a:t>
+              <a:t>1/18/2025</a:t>
             </a:fld>
             <a:endParaRPr lang="en-US"/>
           </a:p>
@@ -11459,7 +11459,7 @@
           <a:p>
             <a:fld id="{D5DB6DB6-F10D-41F4-9631-2A69C8FC52C3}" type="datetimeFigureOut">
               <a:rPr lang="en-US" smtClean="0"/>
-              <a:t>5/28/2024</a:t>
+              <a:t>1/18/2025</a:t>
             </a:fld>
             <a:endParaRPr lang="en-US"/>
           </a:p>
@@ -12857,7 +12857,7 @@
           <a:p>
             <a:fld id="{D5DB6DB6-F10D-41F4-9631-2A69C8FC52C3}" type="datetimeFigureOut">
               <a:rPr lang="en-US" smtClean="0"/>
-              <a:t>5/28/2024</a:t>
+              <a:t>1/18/2025</a:t>
             </a:fld>
             <a:endParaRPr lang="en-US"/>
           </a:p>
@@ -12957,7 +12957,7 @@
           <a:p>
             <a:fld id="{D5DB6DB6-F10D-41F4-9631-2A69C8FC52C3}" type="datetimeFigureOut">
               <a:rPr lang="en-US" smtClean="0"/>
-              <a:t>5/28/2024</a:t>
+              <a:t>1/18/2025</a:t>
             </a:fld>
             <a:endParaRPr lang="en-US"/>
           </a:p>
@@ -14483,7 +14483,7 @@
           <a:p>
             <a:fld id="{D5DB6DB6-F10D-41F4-9631-2A69C8FC52C3}" type="datetimeFigureOut">
               <a:rPr lang="en-US" smtClean="0"/>
-              <a:t>5/28/2024</a:t>
+              <a:t>1/18/2025</a:t>
             </a:fld>
             <a:endParaRPr lang="en-US"/>
           </a:p>
@@ -16019,7 +16019,7 @@
           <a:p>
             <a:fld id="{D5DB6DB6-F10D-41F4-9631-2A69C8FC52C3}" type="datetimeFigureOut">
               <a:rPr lang="en-US" smtClean="0"/>
-              <a:t>5/28/2024</a:t>
+              <a:t>1/18/2025</a:t>
             </a:fld>
             <a:endParaRPr lang="en-US"/>
           </a:p>
@@ -16242,7 +16242,7 @@
           <a:p>
             <a:fld id="{D5DB6DB6-F10D-41F4-9631-2A69C8FC52C3}" type="datetimeFigureOut">
               <a:rPr lang="en-US" smtClean="0"/>
-              <a:t>5/28/2024</a:t>
+              <a:t>1/18/2025</a:t>
             </a:fld>
             <a:endParaRPr lang="en-US"/>
           </a:p>
